--- a/LectureFiles/cbw/2017/RNASeq_Module4_Lecture.pptx
+++ b/LectureFiles/cbw/2017/RNASeq_Module4_Lecture.pptx
@@ -264,7 +264,7 @@
               <a:pPr>
                 <a:defRPr/>
               </a:pPr>
-              <a:t>3/4/17</a:t>
+              <a:t>7/8/17</a:t>
             </a:fld>
             <a:endParaRPr lang="en-US"/>
           </a:p>
@@ -479,7 +479,7 @@
               <a:pPr>
                 <a:defRPr/>
               </a:pPr>
-              <a:t>3/4/17</a:t>
+              <a:t>7/8/17</a:t>
             </a:fld>
             <a:endParaRPr lang="en-US"/>
           </a:p>
@@ -3519,7 +3519,7 @@
               <a:pPr>
                 <a:defRPr/>
               </a:pPr>
-              <a:t>3/4/17</a:t>
+              <a:t>7/8/17</a:t>
             </a:fld>
             <a:endParaRPr lang="en-US"/>
           </a:p>
@@ -6016,7 +6016,7 @@
               <a:defRPr/>
             </a:pPr>
             <a:r>
-              <a:rPr lang="en-US" sz="1600" dirty="0" smtClean="0">
+              <a:rPr lang="en-US" sz="1600" dirty="0">
                 <a:ln w="1270">
                   <a:solidFill>
                     <a:schemeClr val="tx1">
@@ -6025,21 +6025,12 @@
                   </a:solidFill>
                 </a:ln>
                 <a:latin typeface="Calibri"/>
-                <a:ea typeface="+mj-ea"/>
                 <a:cs typeface="Calibri"/>
               </a:rPr>
-              <a:t>High-Throughput Biology: From Sequence to Networks</a:t>
-            </a:r>
-          </a:p>
-          <a:p>
-            <a:pPr fontAlgn="auto">
-              <a:spcAft>
-                <a:spcPts val="0"/>
-              </a:spcAft>
-              <a:defRPr/>
-            </a:pPr>
-            <a:r>
-              <a:rPr lang="en-US" sz="1400" dirty="0" smtClean="0">
+              <a:t>Informatics for RNA-</a:t>
+            </a:r>
+            <a:r>
+              <a:rPr lang="en-US" sz="1600" dirty="0" err="1">
                 <a:ln w="1270">
                   <a:solidFill>
                     <a:schemeClr val="tx1">
@@ -6048,11 +6039,62 @@
                   </a:solidFill>
                 </a:ln>
                 <a:latin typeface="Calibri"/>
-                <a:ea typeface="+mn-ea"/>
                 <a:cs typeface="Calibri"/>
               </a:rPr>
-              <a:t>March 20-26, 2017</a:t>
-            </a:r>
+              <a:t>seq</a:t>
+            </a:r>
+            <a:r>
+              <a:rPr lang="en-US" sz="1600">
+                <a:ln w="1270">
+                  <a:solidFill>
+                    <a:schemeClr val="tx1">
+                      <a:alpha val="38000"/>
+                    </a:schemeClr>
+                  </a:solidFill>
+                </a:ln>
+                <a:latin typeface="Calibri"/>
+                <a:cs typeface="Calibri"/>
+              </a:rPr>
+              <a:t> Analysis</a:t>
+            </a:r>
+            <a:br>
+              <a:rPr lang="en-US" sz="1600">
+                <a:ln w="1270">
+                  <a:solidFill>
+                    <a:schemeClr val="tx1">
+                      <a:alpha val="38000"/>
+                    </a:schemeClr>
+                  </a:solidFill>
+                </a:ln>
+                <a:latin typeface="Calibri"/>
+                <a:cs typeface="Calibri"/>
+              </a:rPr>
+            </a:br>
+            <a:r>
+              <a:rPr lang="en-US" sz="1400">
+                <a:ln w="1270">
+                  <a:solidFill>
+                    <a:schemeClr val="tx1">
+                      <a:alpha val="38000"/>
+                    </a:schemeClr>
+                  </a:solidFill>
+                </a:ln>
+                <a:latin typeface="Calibri"/>
+                <a:cs typeface="Calibri"/>
+              </a:rPr>
+              <a:t>July 10-12, 2017</a:t>
+            </a:r>
+            <a:endParaRPr lang="en-US" sz="1400" dirty="0">
+              <a:ln w="1270">
+                <a:solidFill>
+                  <a:schemeClr val="tx1">
+                    <a:alpha val="38000"/>
+                  </a:schemeClr>
+                </a:solidFill>
+              </a:ln>
+              <a:latin typeface="Calibri"/>
+              <a:cs typeface="Calibri"/>
+            </a:endParaRPr>
           </a:p>
         </p:txBody>
       </p:sp>

--- a/LectureFiles/cbw/2017/RNASeq_Module4_Lecture.pptx
+++ b/LectureFiles/cbw/2017/RNASeq_Module4_Lecture.pptx
@@ -264,7 +264,7 @@
               <a:pPr>
                 <a:defRPr/>
               </a:pPr>
-              <a:t>7/8/17</a:t>
+              <a:t>7/11/17</a:t>
             </a:fld>
             <a:endParaRPr lang="en-US"/>
           </a:p>
@@ -479,7 +479,7 @@
               <a:pPr>
                 <a:defRPr/>
               </a:pPr>
-              <a:t>7/8/17</a:t>
+              <a:t>7/11/17</a:t>
             </a:fld>
             <a:endParaRPr lang="en-US"/>
           </a:p>
@@ -824,6 +824,816 @@
       </p:grpSpPr>
       <p:sp>
         <p:nvSpPr>
+          <p:cNvPr id="2" name="Slide Image Placeholder 1"/>
+          <p:cNvSpPr>
+            <a:spLocks noGrp="1" noRot="1" noChangeAspect="1"/>
+          </p:cNvSpPr>
+          <p:nvPr>
+            <p:ph type="sldImg"/>
+          </p:nvPr>
+        </p:nvSpPr>
+        <p:spPr/>
+      </p:sp>
+      <p:sp>
+        <p:nvSpPr>
+          <p:cNvPr id="3" name="Notes Placeholder 2"/>
+          <p:cNvSpPr>
+            <a:spLocks noGrp="1"/>
+          </p:cNvSpPr>
+          <p:nvPr>
+            <p:ph type="body" idx="1"/>
+          </p:nvPr>
+        </p:nvSpPr>
+        <p:spPr/>
+        <p:txBody>
+          <a:bodyPr/>
+          <a:lstStyle/>
+          <a:p>
+            <a:endParaRPr lang="en-US"/>
+          </a:p>
+        </p:txBody>
+      </p:sp>
+      <p:sp>
+        <p:nvSpPr>
+          <p:cNvPr id="4" name="Slide Number Placeholder 3"/>
+          <p:cNvSpPr>
+            <a:spLocks noGrp="1"/>
+          </p:cNvSpPr>
+          <p:nvPr>
+            <p:ph type="sldNum" sz="quarter" idx="10"/>
+          </p:nvPr>
+        </p:nvSpPr>
+        <p:spPr/>
+        <p:txBody>
+          <a:bodyPr/>
+          <a:lstStyle/>
+          <a:p>
+            <a:pPr>
+              <a:defRPr/>
+            </a:pPr>
+            <a:fld id="{F3969550-FBCF-404B-9FAA-7B1DCDF2C4FF}" type="slidenum">
+              <a:rPr lang="en-US" smtClean="0"/>
+              <a:pPr>
+                <a:defRPr/>
+              </a:pPr>
+              <a:t>1</a:t>
+            </a:fld>
+            <a:endParaRPr lang="en-US"/>
+          </a:p>
+        </p:txBody>
+      </p:sp>
+    </p:spTree>
+    <p:extLst>
+      <p:ext uri="{BB962C8B-B14F-4D97-AF65-F5344CB8AC3E}">
+        <p14:creationId xmlns:p14="http://schemas.microsoft.com/office/powerpoint/2010/main" val="4157624377"/>
+      </p:ext>
+    </p:extLst>
+  </p:cSld>
+  <p:clrMapOvr>
+    <a:masterClrMapping/>
+  </p:clrMapOvr>
+</p:notes>
+</file>
+
+<file path=ppt/notesSlides/notesSlide10.xml><?xml version="1.0" encoding="utf-8"?>
+<p:notes xmlns:a="http://schemas.openxmlformats.org/drawingml/2006/main" xmlns:r="http://schemas.openxmlformats.org/officeDocument/2006/relationships" xmlns:p="http://schemas.openxmlformats.org/presentationml/2006/main">
+  <p:cSld>
+    <p:spTree>
+      <p:nvGrpSpPr>
+        <p:cNvPr id="1" name=""/>
+        <p:cNvGrpSpPr/>
+        <p:nvPr/>
+      </p:nvGrpSpPr>
+      <p:grpSpPr>
+        <a:xfrm>
+          <a:off x="0" y="0"/>
+          <a:ext cx="0" cy="0"/>
+          <a:chOff x="0" y="0"/>
+          <a:chExt cx="0" cy="0"/>
+        </a:xfrm>
+      </p:grpSpPr>
+      <p:sp>
+        <p:nvSpPr>
+          <p:cNvPr id="2" name="Slide Image Placeholder 1"/>
+          <p:cNvSpPr>
+            <a:spLocks noGrp="1" noRot="1" noChangeAspect="1"/>
+          </p:cNvSpPr>
+          <p:nvPr>
+            <p:ph type="sldImg"/>
+          </p:nvPr>
+        </p:nvSpPr>
+        <p:spPr/>
+      </p:sp>
+      <p:sp>
+        <p:nvSpPr>
+          <p:cNvPr id="3" name="Notes Placeholder 2"/>
+          <p:cNvSpPr>
+            <a:spLocks noGrp="1"/>
+          </p:cNvSpPr>
+          <p:nvPr>
+            <p:ph type="body" idx="1"/>
+          </p:nvPr>
+        </p:nvSpPr>
+        <p:spPr/>
+        <p:txBody>
+          <a:bodyPr/>
+          <a:lstStyle/>
+          <a:p>
+            <a:endParaRPr lang="en-US"/>
+          </a:p>
+        </p:txBody>
+      </p:sp>
+      <p:sp>
+        <p:nvSpPr>
+          <p:cNvPr id="4" name="Slide Number Placeholder 3"/>
+          <p:cNvSpPr>
+            <a:spLocks noGrp="1"/>
+          </p:cNvSpPr>
+          <p:nvPr>
+            <p:ph type="sldNum" sz="quarter" idx="10"/>
+          </p:nvPr>
+        </p:nvSpPr>
+        <p:spPr/>
+        <p:txBody>
+          <a:bodyPr/>
+          <a:lstStyle/>
+          <a:p>
+            <a:pPr>
+              <a:defRPr/>
+            </a:pPr>
+            <a:fld id="{F3969550-FBCF-404B-9FAA-7B1DCDF2C4FF}" type="slidenum">
+              <a:rPr lang="en-US" smtClean="0"/>
+              <a:pPr>
+                <a:defRPr/>
+              </a:pPr>
+              <a:t>10</a:t>
+            </a:fld>
+            <a:endParaRPr lang="en-US"/>
+          </a:p>
+        </p:txBody>
+      </p:sp>
+    </p:spTree>
+    <p:extLst>
+      <p:ext uri="{BB962C8B-B14F-4D97-AF65-F5344CB8AC3E}">
+        <p14:creationId xmlns:p14="http://schemas.microsoft.com/office/powerpoint/2010/main" val="3763712788"/>
+      </p:ext>
+    </p:extLst>
+  </p:cSld>
+  <p:clrMapOvr>
+    <a:masterClrMapping/>
+  </p:clrMapOvr>
+</p:notes>
+</file>
+
+<file path=ppt/notesSlides/notesSlide11.xml><?xml version="1.0" encoding="utf-8"?>
+<p:notes xmlns:a="http://schemas.openxmlformats.org/drawingml/2006/main" xmlns:r="http://schemas.openxmlformats.org/officeDocument/2006/relationships" xmlns:p="http://schemas.openxmlformats.org/presentationml/2006/main">
+  <p:cSld>
+    <p:spTree>
+      <p:nvGrpSpPr>
+        <p:cNvPr id="1" name=""/>
+        <p:cNvGrpSpPr/>
+        <p:nvPr/>
+      </p:nvGrpSpPr>
+      <p:grpSpPr>
+        <a:xfrm>
+          <a:off x="0" y="0"/>
+          <a:ext cx="0" cy="0"/>
+          <a:chOff x="0" y="0"/>
+          <a:chExt cx="0" cy="0"/>
+        </a:xfrm>
+      </p:grpSpPr>
+      <p:sp>
+        <p:nvSpPr>
+          <p:cNvPr id="2" name="Slide Image Placeholder 1"/>
+          <p:cNvSpPr>
+            <a:spLocks noGrp="1" noRot="1" noChangeAspect="1"/>
+          </p:cNvSpPr>
+          <p:nvPr>
+            <p:ph type="sldImg"/>
+          </p:nvPr>
+        </p:nvSpPr>
+        <p:spPr/>
+      </p:sp>
+      <p:sp>
+        <p:nvSpPr>
+          <p:cNvPr id="3" name="Notes Placeholder 2"/>
+          <p:cNvSpPr>
+            <a:spLocks noGrp="1"/>
+          </p:cNvSpPr>
+          <p:nvPr>
+            <p:ph type="body" idx="1"/>
+          </p:nvPr>
+        </p:nvSpPr>
+        <p:spPr/>
+        <p:txBody>
+          <a:bodyPr/>
+          <a:lstStyle/>
+          <a:p>
+            <a:endParaRPr lang="en-US"/>
+          </a:p>
+        </p:txBody>
+      </p:sp>
+      <p:sp>
+        <p:nvSpPr>
+          <p:cNvPr id="4" name="Slide Number Placeholder 3"/>
+          <p:cNvSpPr>
+            <a:spLocks noGrp="1"/>
+          </p:cNvSpPr>
+          <p:nvPr>
+            <p:ph type="sldNum" sz="quarter" idx="10"/>
+          </p:nvPr>
+        </p:nvSpPr>
+        <p:spPr/>
+        <p:txBody>
+          <a:bodyPr/>
+          <a:lstStyle/>
+          <a:p>
+            <a:pPr>
+              <a:defRPr/>
+            </a:pPr>
+            <a:fld id="{F3969550-FBCF-404B-9FAA-7B1DCDF2C4FF}" type="slidenum">
+              <a:rPr lang="en-US" smtClean="0"/>
+              <a:pPr>
+                <a:defRPr/>
+              </a:pPr>
+              <a:t>11</a:t>
+            </a:fld>
+            <a:endParaRPr lang="en-US"/>
+          </a:p>
+        </p:txBody>
+      </p:sp>
+    </p:spTree>
+    <p:extLst>
+      <p:ext uri="{BB962C8B-B14F-4D97-AF65-F5344CB8AC3E}">
+        <p14:creationId xmlns:p14="http://schemas.microsoft.com/office/powerpoint/2010/main" val="1159136935"/>
+      </p:ext>
+    </p:extLst>
+  </p:cSld>
+  <p:clrMapOvr>
+    <a:masterClrMapping/>
+  </p:clrMapOvr>
+</p:notes>
+</file>
+
+<file path=ppt/notesSlides/notesSlide12.xml><?xml version="1.0" encoding="utf-8"?>
+<p:notes xmlns:a="http://schemas.openxmlformats.org/drawingml/2006/main" xmlns:r="http://schemas.openxmlformats.org/officeDocument/2006/relationships" xmlns:p="http://schemas.openxmlformats.org/presentationml/2006/main">
+  <p:cSld>
+    <p:spTree>
+      <p:nvGrpSpPr>
+        <p:cNvPr id="1" name=""/>
+        <p:cNvGrpSpPr/>
+        <p:nvPr/>
+      </p:nvGrpSpPr>
+      <p:grpSpPr>
+        <a:xfrm>
+          <a:off x="0" y="0"/>
+          <a:ext cx="0" cy="0"/>
+          <a:chOff x="0" y="0"/>
+          <a:chExt cx="0" cy="0"/>
+        </a:xfrm>
+      </p:grpSpPr>
+      <p:sp>
+        <p:nvSpPr>
+          <p:cNvPr id="2" name="Slide Image Placeholder 1"/>
+          <p:cNvSpPr>
+            <a:spLocks noGrp="1" noRot="1" noChangeAspect="1"/>
+          </p:cNvSpPr>
+          <p:nvPr>
+            <p:ph type="sldImg"/>
+          </p:nvPr>
+        </p:nvSpPr>
+        <p:spPr/>
+      </p:sp>
+      <p:sp>
+        <p:nvSpPr>
+          <p:cNvPr id="3" name="Notes Placeholder 2"/>
+          <p:cNvSpPr>
+            <a:spLocks noGrp="1"/>
+          </p:cNvSpPr>
+          <p:nvPr>
+            <p:ph type="body" idx="1"/>
+          </p:nvPr>
+        </p:nvSpPr>
+        <p:spPr/>
+        <p:txBody>
+          <a:bodyPr/>
+          <a:lstStyle/>
+          <a:p>
+            <a:endParaRPr lang="en-US"/>
+          </a:p>
+        </p:txBody>
+      </p:sp>
+      <p:sp>
+        <p:nvSpPr>
+          <p:cNvPr id="4" name="Slide Number Placeholder 3"/>
+          <p:cNvSpPr>
+            <a:spLocks noGrp="1"/>
+          </p:cNvSpPr>
+          <p:nvPr>
+            <p:ph type="sldNum" sz="quarter" idx="10"/>
+          </p:nvPr>
+        </p:nvSpPr>
+        <p:spPr/>
+        <p:txBody>
+          <a:bodyPr/>
+          <a:lstStyle/>
+          <a:p>
+            <a:pPr>
+              <a:defRPr/>
+            </a:pPr>
+            <a:fld id="{F3969550-FBCF-404B-9FAA-7B1DCDF2C4FF}" type="slidenum">
+              <a:rPr lang="en-US" smtClean="0"/>
+              <a:pPr>
+                <a:defRPr/>
+              </a:pPr>
+              <a:t>12</a:t>
+            </a:fld>
+            <a:endParaRPr lang="en-US"/>
+          </a:p>
+        </p:txBody>
+      </p:sp>
+    </p:spTree>
+    <p:extLst>
+      <p:ext uri="{BB962C8B-B14F-4D97-AF65-F5344CB8AC3E}">
+        <p14:creationId xmlns:p14="http://schemas.microsoft.com/office/powerpoint/2010/main" val="2992029332"/>
+      </p:ext>
+    </p:extLst>
+  </p:cSld>
+  <p:clrMapOvr>
+    <a:masterClrMapping/>
+  </p:clrMapOvr>
+</p:notes>
+</file>
+
+<file path=ppt/notesSlides/notesSlide13.xml><?xml version="1.0" encoding="utf-8"?>
+<p:notes xmlns:a="http://schemas.openxmlformats.org/drawingml/2006/main" xmlns:r="http://schemas.openxmlformats.org/officeDocument/2006/relationships" xmlns:p="http://schemas.openxmlformats.org/presentationml/2006/main">
+  <p:cSld>
+    <p:spTree>
+      <p:nvGrpSpPr>
+        <p:cNvPr id="1" name=""/>
+        <p:cNvGrpSpPr/>
+        <p:nvPr/>
+      </p:nvGrpSpPr>
+      <p:grpSpPr>
+        <a:xfrm>
+          <a:off x="0" y="0"/>
+          <a:ext cx="0" cy="0"/>
+          <a:chOff x="0" y="0"/>
+          <a:chExt cx="0" cy="0"/>
+        </a:xfrm>
+      </p:grpSpPr>
+      <p:sp>
+        <p:nvSpPr>
+          <p:cNvPr id="2" name="Slide Image Placeholder 1"/>
+          <p:cNvSpPr>
+            <a:spLocks noGrp="1" noRot="1" noChangeAspect="1"/>
+          </p:cNvSpPr>
+          <p:nvPr>
+            <p:ph type="sldImg"/>
+          </p:nvPr>
+        </p:nvSpPr>
+        <p:spPr/>
+      </p:sp>
+      <p:sp>
+        <p:nvSpPr>
+          <p:cNvPr id="3" name="Notes Placeholder 2"/>
+          <p:cNvSpPr>
+            <a:spLocks noGrp="1"/>
+          </p:cNvSpPr>
+          <p:nvPr>
+            <p:ph type="body" idx="1"/>
+          </p:nvPr>
+        </p:nvSpPr>
+        <p:spPr/>
+        <p:txBody>
+          <a:bodyPr/>
+          <a:lstStyle/>
+          <a:p>
+            <a:endParaRPr lang="en-US"/>
+          </a:p>
+        </p:txBody>
+      </p:sp>
+      <p:sp>
+        <p:nvSpPr>
+          <p:cNvPr id="4" name="Slide Number Placeholder 3"/>
+          <p:cNvSpPr>
+            <a:spLocks noGrp="1"/>
+          </p:cNvSpPr>
+          <p:nvPr>
+            <p:ph type="sldNum" sz="quarter" idx="10"/>
+          </p:nvPr>
+        </p:nvSpPr>
+        <p:spPr/>
+        <p:txBody>
+          <a:bodyPr/>
+          <a:lstStyle/>
+          <a:p>
+            <a:pPr>
+              <a:defRPr/>
+            </a:pPr>
+            <a:fld id="{F3969550-FBCF-404B-9FAA-7B1DCDF2C4FF}" type="slidenum">
+              <a:rPr lang="en-US" smtClean="0"/>
+              <a:pPr>
+                <a:defRPr/>
+              </a:pPr>
+              <a:t>13</a:t>
+            </a:fld>
+            <a:endParaRPr lang="en-US"/>
+          </a:p>
+        </p:txBody>
+      </p:sp>
+    </p:spTree>
+    <p:extLst>
+      <p:ext uri="{BB962C8B-B14F-4D97-AF65-F5344CB8AC3E}">
+        <p14:creationId xmlns:p14="http://schemas.microsoft.com/office/powerpoint/2010/main" val="129160063"/>
+      </p:ext>
+    </p:extLst>
+  </p:cSld>
+  <p:clrMapOvr>
+    <a:masterClrMapping/>
+  </p:clrMapOvr>
+</p:notes>
+</file>
+
+<file path=ppt/notesSlides/notesSlide14.xml><?xml version="1.0" encoding="utf-8"?>
+<p:notes xmlns:a="http://schemas.openxmlformats.org/drawingml/2006/main" xmlns:r="http://schemas.openxmlformats.org/officeDocument/2006/relationships" xmlns:p="http://schemas.openxmlformats.org/presentationml/2006/main">
+  <p:cSld>
+    <p:spTree>
+      <p:nvGrpSpPr>
+        <p:cNvPr id="1" name=""/>
+        <p:cNvGrpSpPr/>
+        <p:nvPr/>
+      </p:nvGrpSpPr>
+      <p:grpSpPr>
+        <a:xfrm>
+          <a:off x="0" y="0"/>
+          <a:ext cx="0" cy="0"/>
+          <a:chOff x="0" y="0"/>
+          <a:chExt cx="0" cy="0"/>
+        </a:xfrm>
+      </p:grpSpPr>
+      <p:sp>
+        <p:nvSpPr>
+          <p:cNvPr id="2" name="Slide Image Placeholder 1"/>
+          <p:cNvSpPr>
+            <a:spLocks noGrp="1" noRot="1" noChangeAspect="1"/>
+          </p:cNvSpPr>
+          <p:nvPr>
+            <p:ph type="sldImg"/>
+          </p:nvPr>
+        </p:nvSpPr>
+        <p:spPr/>
+      </p:sp>
+      <p:sp>
+        <p:nvSpPr>
+          <p:cNvPr id="3" name="Notes Placeholder 2"/>
+          <p:cNvSpPr>
+            <a:spLocks noGrp="1"/>
+          </p:cNvSpPr>
+          <p:nvPr>
+            <p:ph type="body" idx="1"/>
+          </p:nvPr>
+        </p:nvSpPr>
+        <p:spPr/>
+        <p:txBody>
+          <a:bodyPr/>
+          <a:lstStyle/>
+          <a:p>
+            <a:endParaRPr lang="en-US"/>
+          </a:p>
+        </p:txBody>
+      </p:sp>
+      <p:sp>
+        <p:nvSpPr>
+          <p:cNvPr id="4" name="Slide Number Placeholder 3"/>
+          <p:cNvSpPr>
+            <a:spLocks noGrp="1"/>
+          </p:cNvSpPr>
+          <p:nvPr>
+            <p:ph type="sldNum" sz="quarter" idx="10"/>
+          </p:nvPr>
+        </p:nvSpPr>
+        <p:spPr/>
+        <p:txBody>
+          <a:bodyPr/>
+          <a:lstStyle/>
+          <a:p>
+            <a:pPr>
+              <a:defRPr/>
+            </a:pPr>
+            <a:fld id="{F3969550-FBCF-404B-9FAA-7B1DCDF2C4FF}" type="slidenum">
+              <a:rPr lang="en-US" smtClean="0"/>
+              <a:pPr>
+                <a:defRPr/>
+              </a:pPr>
+              <a:t>14</a:t>
+            </a:fld>
+            <a:endParaRPr lang="en-US"/>
+          </a:p>
+        </p:txBody>
+      </p:sp>
+    </p:spTree>
+    <p:extLst>
+      <p:ext uri="{BB962C8B-B14F-4D97-AF65-F5344CB8AC3E}">
+        <p14:creationId xmlns:p14="http://schemas.microsoft.com/office/powerpoint/2010/main" val="331062658"/>
+      </p:ext>
+    </p:extLst>
+  </p:cSld>
+  <p:clrMapOvr>
+    <a:masterClrMapping/>
+  </p:clrMapOvr>
+</p:notes>
+</file>
+
+<file path=ppt/notesSlides/notesSlide2.xml><?xml version="1.0" encoding="utf-8"?>
+<p:notes xmlns:a="http://schemas.openxmlformats.org/drawingml/2006/main" xmlns:r="http://schemas.openxmlformats.org/officeDocument/2006/relationships" xmlns:p="http://schemas.openxmlformats.org/presentationml/2006/main">
+  <p:cSld>
+    <p:spTree>
+      <p:nvGrpSpPr>
+        <p:cNvPr id="1" name=""/>
+        <p:cNvGrpSpPr/>
+        <p:nvPr/>
+      </p:nvGrpSpPr>
+      <p:grpSpPr>
+        <a:xfrm>
+          <a:off x="0" y="0"/>
+          <a:ext cx="0" cy="0"/>
+          <a:chOff x="0" y="0"/>
+          <a:chExt cx="0" cy="0"/>
+        </a:xfrm>
+      </p:grpSpPr>
+      <p:sp>
+        <p:nvSpPr>
+          <p:cNvPr id="2" name="Slide Image Placeholder 1"/>
+          <p:cNvSpPr>
+            <a:spLocks noGrp="1" noRot="1" noChangeAspect="1"/>
+          </p:cNvSpPr>
+          <p:nvPr>
+            <p:ph type="sldImg"/>
+          </p:nvPr>
+        </p:nvSpPr>
+        <p:spPr/>
+      </p:sp>
+      <p:sp>
+        <p:nvSpPr>
+          <p:cNvPr id="3" name="Notes Placeholder 2"/>
+          <p:cNvSpPr>
+            <a:spLocks noGrp="1"/>
+          </p:cNvSpPr>
+          <p:nvPr>
+            <p:ph type="body" idx="1"/>
+          </p:nvPr>
+        </p:nvSpPr>
+        <p:spPr/>
+        <p:txBody>
+          <a:bodyPr/>
+          <a:lstStyle/>
+          <a:p>
+            <a:endParaRPr lang="en-US"/>
+          </a:p>
+        </p:txBody>
+      </p:sp>
+      <p:sp>
+        <p:nvSpPr>
+          <p:cNvPr id="4" name="Slide Number Placeholder 3"/>
+          <p:cNvSpPr>
+            <a:spLocks noGrp="1"/>
+          </p:cNvSpPr>
+          <p:nvPr>
+            <p:ph type="sldNum" sz="quarter" idx="10"/>
+          </p:nvPr>
+        </p:nvSpPr>
+        <p:spPr/>
+        <p:txBody>
+          <a:bodyPr/>
+          <a:lstStyle/>
+          <a:p>
+            <a:pPr>
+              <a:defRPr/>
+            </a:pPr>
+            <a:fld id="{F3969550-FBCF-404B-9FAA-7B1DCDF2C4FF}" type="slidenum">
+              <a:rPr lang="en-US" smtClean="0"/>
+              <a:pPr>
+                <a:defRPr/>
+              </a:pPr>
+              <a:t>2</a:t>
+            </a:fld>
+            <a:endParaRPr lang="en-US"/>
+          </a:p>
+        </p:txBody>
+      </p:sp>
+    </p:spTree>
+    <p:extLst>
+      <p:ext uri="{BB962C8B-B14F-4D97-AF65-F5344CB8AC3E}">
+        <p14:creationId xmlns:p14="http://schemas.microsoft.com/office/powerpoint/2010/main" val="2274411728"/>
+      </p:ext>
+    </p:extLst>
+  </p:cSld>
+  <p:clrMapOvr>
+    <a:masterClrMapping/>
+  </p:clrMapOvr>
+</p:notes>
+</file>
+
+<file path=ppt/notesSlides/notesSlide3.xml><?xml version="1.0" encoding="utf-8"?>
+<p:notes xmlns:a="http://schemas.openxmlformats.org/drawingml/2006/main" xmlns:r="http://schemas.openxmlformats.org/officeDocument/2006/relationships" xmlns:p="http://schemas.openxmlformats.org/presentationml/2006/main">
+  <p:cSld>
+    <p:spTree>
+      <p:nvGrpSpPr>
+        <p:cNvPr id="1" name=""/>
+        <p:cNvGrpSpPr/>
+        <p:nvPr/>
+      </p:nvGrpSpPr>
+      <p:grpSpPr>
+        <a:xfrm>
+          <a:off x="0" y="0"/>
+          <a:ext cx="0" cy="0"/>
+          <a:chOff x="0" y="0"/>
+          <a:chExt cx="0" cy="0"/>
+        </a:xfrm>
+      </p:grpSpPr>
+      <p:sp>
+        <p:nvSpPr>
+          <p:cNvPr id="2" name="Slide Image Placeholder 1"/>
+          <p:cNvSpPr>
+            <a:spLocks noGrp="1" noRot="1" noChangeAspect="1"/>
+          </p:cNvSpPr>
+          <p:nvPr>
+            <p:ph type="sldImg"/>
+          </p:nvPr>
+        </p:nvSpPr>
+        <p:spPr/>
+      </p:sp>
+      <p:sp>
+        <p:nvSpPr>
+          <p:cNvPr id="3" name="Notes Placeholder 2"/>
+          <p:cNvSpPr>
+            <a:spLocks noGrp="1"/>
+          </p:cNvSpPr>
+          <p:nvPr>
+            <p:ph type="body" idx="1"/>
+          </p:nvPr>
+        </p:nvSpPr>
+        <p:spPr/>
+        <p:txBody>
+          <a:bodyPr/>
+          <a:lstStyle/>
+          <a:p>
+            <a:endParaRPr lang="en-US"/>
+          </a:p>
+        </p:txBody>
+      </p:sp>
+      <p:sp>
+        <p:nvSpPr>
+          <p:cNvPr id="4" name="Slide Number Placeholder 3"/>
+          <p:cNvSpPr>
+            <a:spLocks noGrp="1"/>
+          </p:cNvSpPr>
+          <p:nvPr>
+            <p:ph type="sldNum" sz="quarter" idx="10"/>
+          </p:nvPr>
+        </p:nvSpPr>
+        <p:spPr/>
+        <p:txBody>
+          <a:bodyPr/>
+          <a:lstStyle/>
+          <a:p>
+            <a:pPr>
+              <a:defRPr/>
+            </a:pPr>
+            <a:fld id="{F3969550-FBCF-404B-9FAA-7B1DCDF2C4FF}" type="slidenum">
+              <a:rPr lang="en-US" smtClean="0"/>
+              <a:pPr>
+                <a:defRPr/>
+              </a:pPr>
+              <a:t>3</a:t>
+            </a:fld>
+            <a:endParaRPr lang="en-US"/>
+          </a:p>
+        </p:txBody>
+      </p:sp>
+    </p:spTree>
+    <p:extLst>
+      <p:ext uri="{BB962C8B-B14F-4D97-AF65-F5344CB8AC3E}">
+        <p14:creationId xmlns:p14="http://schemas.microsoft.com/office/powerpoint/2010/main" val="2812560500"/>
+      </p:ext>
+    </p:extLst>
+  </p:cSld>
+  <p:clrMapOvr>
+    <a:masterClrMapping/>
+  </p:clrMapOvr>
+</p:notes>
+</file>
+
+<file path=ppt/notesSlides/notesSlide4.xml><?xml version="1.0" encoding="utf-8"?>
+<p:notes xmlns:a="http://schemas.openxmlformats.org/drawingml/2006/main" xmlns:r="http://schemas.openxmlformats.org/officeDocument/2006/relationships" xmlns:p="http://schemas.openxmlformats.org/presentationml/2006/main">
+  <p:cSld>
+    <p:spTree>
+      <p:nvGrpSpPr>
+        <p:cNvPr id="1" name=""/>
+        <p:cNvGrpSpPr/>
+        <p:nvPr/>
+      </p:nvGrpSpPr>
+      <p:grpSpPr>
+        <a:xfrm>
+          <a:off x="0" y="0"/>
+          <a:ext cx="0" cy="0"/>
+          <a:chOff x="0" y="0"/>
+          <a:chExt cx="0" cy="0"/>
+        </a:xfrm>
+      </p:grpSpPr>
+      <p:sp>
+        <p:nvSpPr>
+          <p:cNvPr id="2" name="Slide Image Placeholder 1"/>
+          <p:cNvSpPr>
+            <a:spLocks noGrp="1" noRot="1" noChangeAspect="1"/>
+          </p:cNvSpPr>
+          <p:nvPr>
+            <p:ph type="sldImg"/>
+          </p:nvPr>
+        </p:nvSpPr>
+        <p:spPr/>
+      </p:sp>
+      <p:sp>
+        <p:nvSpPr>
+          <p:cNvPr id="3" name="Notes Placeholder 2"/>
+          <p:cNvSpPr>
+            <a:spLocks noGrp="1"/>
+          </p:cNvSpPr>
+          <p:nvPr>
+            <p:ph type="body" idx="1"/>
+          </p:nvPr>
+        </p:nvSpPr>
+        <p:spPr/>
+        <p:txBody>
+          <a:bodyPr/>
+          <a:lstStyle/>
+          <a:p>
+            <a:endParaRPr lang="en-US"/>
+          </a:p>
+        </p:txBody>
+      </p:sp>
+      <p:sp>
+        <p:nvSpPr>
+          <p:cNvPr id="4" name="Slide Number Placeholder 3"/>
+          <p:cNvSpPr>
+            <a:spLocks noGrp="1"/>
+          </p:cNvSpPr>
+          <p:nvPr>
+            <p:ph type="sldNum" sz="quarter" idx="10"/>
+          </p:nvPr>
+        </p:nvSpPr>
+        <p:spPr/>
+        <p:txBody>
+          <a:bodyPr/>
+          <a:lstStyle/>
+          <a:p>
+            <a:pPr>
+              <a:defRPr/>
+            </a:pPr>
+            <a:fld id="{F3969550-FBCF-404B-9FAA-7B1DCDF2C4FF}" type="slidenum">
+              <a:rPr lang="en-US" smtClean="0"/>
+              <a:pPr>
+                <a:defRPr/>
+              </a:pPr>
+              <a:t>4</a:t>
+            </a:fld>
+            <a:endParaRPr lang="en-US"/>
+          </a:p>
+        </p:txBody>
+      </p:sp>
+    </p:spTree>
+    <p:extLst>
+      <p:ext uri="{BB962C8B-B14F-4D97-AF65-F5344CB8AC3E}">
+        <p14:creationId xmlns:p14="http://schemas.microsoft.com/office/powerpoint/2010/main" val="1470251376"/>
+      </p:ext>
+    </p:extLst>
+  </p:cSld>
+  <p:clrMapOvr>
+    <a:masterClrMapping/>
+  </p:clrMapOvr>
+</p:notes>
+</file>
+
+<file path=ppt/notesSlides/notesSlide5.xml><?xml version="1.0" encoding="utf-8"?>
+<p:notes xmlns:a="http://schemas.openxmlformats.org/drawingml/2006/main" xmlns:r="http://schemas.openxmlformats.org/officeDocument/2006/relationships" xmlns:p="http://schemas.openxmlformats.org/presentationml/2006/main">
+  <p:cSld>
+    <p:spTree>
+      <p:nvGrpSpPr>
+        <p:cNvPr id="1" name=""/>
+        <p:cNvGrpSpPr/>
+        <p:nvPr/>
+      </p:nvGrpSpPr>
+      <p:grpSpPr>
+        <a:xfrm>
+          <a:off x="0" y="0"/>
+          <a:ext cx="0" cy="0"/>
+          <a:chOff x="0" y="0"/>
+          <a:chExt cx="0" cy="0"/>
+        </a:xfrm>
+      </p:grpSpPr>
+      <p:sp>
+        <p:nvSpPr>
           <p:cNvPr id="14337" name="Slide Image Placeholder 1"/>
           <p:cNvSpPr>
             <a:spLocks noGrp="1" noRot="1" noChangeAspect="1"/>
@@ -1065,6 +1875,366 @@
         </p:txBody>
       </p:sp>
     </p:spTree>
+  </p:cSld>
+  <p:clrMapOvr>
+    <a:masterClrMapping/>
+  </p:clrMapOvr>
+</p:notes>
+</file>
+
+<file path=ppt/notesSlides/notesSlide6.xml><?xml version="1.0" encoding="utf-8"?>
+<p:notes xmlns:a="http://schemas.openxmlformats.org/drawingml/2006/main" xmlns:r="http://schemas.openxmlformats.org/officeDocument/2006/relationships" xmlns:p="http://schemas.openxmlformats.org/presentationml/2006/main">
+  <p:cSld>
+    <p:spTree>
+      <p:nvGrpSpPr>
+        <p:cNvPr id="1" name=""/>
+        <p:cNvGrpSpPr/>
+        <p:nvPr/>
+      </p:nvGrpSpPr>
+      <p:grpSpPr>
+        <a:xfrm>
+          <a:off x="0" y="0"/>
+          <a:ext cx="0" cy="0"/>
+          <a:chOff x="0" y="0"/>
+          <a:chExt cx="0" cy="0"/>
+        </a:xfrm>
+      </p:grpSpPr>
+      <p:sp>
+        <p:nvSpPr>
+          <p:cNvPr id="2" name="Slide Image Placeholder 1"/>
+          <p:cNvSpPr>
+            <a:spLocks noGrp="1" noRot="1" noChangeAspect="1"/>
+          </p:cNvSpPr>
+          <p:nvPr>
+            <p:ph type="sldImg"/>
+          </p:nvPr>
+        </p:nvSpPr>
+        <p:spPr/>
+      </p:sp>
+      <p:sp>
+        <p:nvSpPr>
+          <p:cNvPr id="3" name="Notes Placeholder 2"/>
+          <p:cNvSpPr>
+            <a:spLocks noGrp="1"/>
+          </p:cNvSpPr>
+          <p:nvPr>
+            <p:ph type="body" idx="1"/>
+          </p:nvPr>
+        </p:nvSpPr>
+        <p:spPr/>
+        <p:txBody>
+          <a:bodyPr/>
+          <a:lstStyle/>
+          <a:p>
+            <a:endParaRPr lang="en-US"/>
+          </a:p>
+        </p:txBody>
+      </p:sp>
+      <p:sp>
+        <p:nvSpPr>
+          <p:cNvPr id="4" name="Slide Number Placeholder 3"/>
+          <p:cNvSpPr>
+            <a:spLocks noGrp="1"/>
+          </p:cNvSpPr>
+          <p:nvPr>
+            <p:ph type="sldNum" sz="quarter" idx="10"/>
+          </p:nvPr>
+        </p:nvSpPr>
+        <p:spPr/>
+        <p:txBody>
+          <a:bodyPr/>
+          <a:lstStyle/>
+          <a:p>
+            <a:pPr>
+              <a:defRPr/>
+            </a:pPr>
+            <a:fld id="{F3969550-FBCF-404B-9FAA-7B1DCDF2C4FF}" type="slidenum">
+              <a:rPr lang="en-US" smtClean="0"/>
+              <a:pPr>
+                <a:defRPr/>
+              </a:pPr>
+              <a:t>6</a:t>
+            </a:fld>
+            <a:endParaRPr lang="en-US"/>
+          </a:p>
+        </p:txBody>
+      </p:sp>
+    </p:spTree>
+    <p:extLst>
+      <p:ext uri="{BB962C8B-B14F-4D97-AF65-F5344CB8AC3E}">
+        <p14:creationId xmlns:p14="http://schemas.microsoft.com/office/powerpoint/2010/main" val="511221705"/>
+      </p:ext>
+    </p:extLst>
+  </p:cSld>
+  <p:clrMapOvr>
+    <a:masterClrMapping/>
+  </p:clrMapOvr>
+</p:notes>
+</file>
+
+<file path=ppt/notesSlides/notesSlide7.xml><?xml version="1.0" encoding="utf-8"?>
+<p:notes xmlns:a="http://schemas.openxmlformats.org/drawingml/2006/main" xmlns:r="http://schemas.openxmlformats.org/officeDocument/2006/relationships" xmlns:p="http://schemas.openxmlformats.org/presentationml/2006/main">
+  <p:cSld>
+    <p:spTree>
+      <p:nvGrpSpPr>
+        <p:cNvPr id="1" name=""/>
+        <p:cNvGrpSpPr/>
+        <p:nvPr/>
+      </p:nvGrpSpPr>
+      <p:grpSpPr>
+        <a:xfrm>
+          <a:off x="0" y="0"/>
+          <a:ext cx="0" cy="0"/>
+          <a:chOff x="0" y="0"/>
+          <a:chExt cx="0" cy="0"/>
+        </a:xfrm>
+      </p:grpSpPr>
+      <p:sp>
+        <p:nvSpPr>
+          <p:cNvPr id="2" name="Slide Image Placeholder 1"/>
+          <p:cNvSpPr>
+            <a:spLocks noGrp="1" noRot="1" noChangeAspect="1"/>
+          </p:cNvSpPr>
+          <p:nvPr>
+            <p:ph type="sldImg"/>
+          </p:nvPr>
+        </p:nvSpPr>
+        <p:spPr/>
+      </p:sp>
+      <p:sp>
+        <p:nvSpPr>
+          <p:cNvPr id="3" name="Notes Placeholder 2"/>
+          <p:cNvSpPr>
+            <a:spLocks noGrp="1"/>
+          </p:cNvSpPr>
+          <p:nvPr>
+            <p:ph type="body" idx="1"/>
+          </p:nvPr>
+        </p:nvSpPr>
+        <p:spPr/>
+        <p:txBody>
+          <a:bodyPr/>
+          <a:lstStyle/>
+          <a:p>
+            <a:endParaRPr lang="en-US"/>
+          </a:p>
+        </p:txBody>
+      </p:sp>
+      <p:sp>
+        <p:nvSpPr>
+          <p:cNvPr id="4" name="Slide Number Placeholder 3"/>
+          <p:cNvSpPr>
+            <a:spLocks noGrp="1"/>
+          </p:cNvSpPr>
+          <p:nvPr>
+            <p:ph type="sldNum" sz="quarter" idx="10"/>
+          </p:nvPr>
+        </p:nvSpPr>
+        <p:spPr/>
+        <p:txBody>
+          <a:bodyPr/>
+          <a:lstStyle/>
+          <a:p>
+            <a:pPr>
+              <a:defRPr/>
+            </a:pPr>
+            <a:fld id="{F3969550-FBCF-404B-9FAA-7B1DCDF2C4FF}" type="slidenum">
+              <a:rPr lang="en-US" smtClean="0"/>
+              <a:pPr>
+                <a:defRPr/>
+              </a:pPr>
+              <a:t>7</a:t>
+            </a:fld>
+            <a:endParaRPr lang="en-US"/>
+          </a:p>
+        </p:txBody>
+      </p:sp>
+    </p:spTree>
+    <p:extLst>
+      <p:ext uri="{BB962C8B-B14F-4D97-AF65-F5344CB8AC3E}">
+        <p14:creationId xmlns:p14="http://schemas.microsoft.com/office/powerpoint/2010/main" val="2701529002"/>
+      </p:ext>
+    </p:extLst>
+  </p:cSld>
+  <p:clrMapOvr>
+    <a:masterClrMapping/>
+  </p:clrMapOvr>
+</p:notes>
+</file>
+
+<file path=ppt/notesSlides/notesSlide8.xml><?xml version="1.0" encoding="utf-8"?>
+<p:notes xmlns:a="http://schemas.openxmlformats.org/drawingml/2006/main" xmlns:r="http://schemas.openxmlformats.org/officeDocument/2006/relationships" xmlns:p="http://schemas.openxmlformats.org/presentationml/2006/main">
+  <p:cSld>
+    <p:spTree>
+      <p:nvGrpSpPr>
+        <p:cNvPr id="1" name=""/>
+        <p:cNvGrpSpPr/>
+        <p:nvPr/>
+      </p:nvGrpSpPr>
+      <p:grpSpPr>
+        <a:xfrm>
+          <a:off x="0" y="0"/>
+          <a:ext cx="0" cy="0"/>
+          <a:chOff x="0" y="0"/>
+          <a:chExt cx="0" cy="0"/>
+        </a:xfrm>
+      </p:grpSpPr>
+      <p:sp>
+        <p:nvSpPr>
+          <p:cNvPr id="2" name="Slide Image Placeholder 1"/>
+          <p:cNvSpPr>
+            <a:spLocks noGrp="1" noRot="1" noChangeAspect="1"/>
+          </p:cNvSpPr>
+          <p:nvPr>
+            <p:ph type="sldImg"/>
+          </p:nvPr>
+        </p:nvSpPr>
+        <p:spPr/>
+      </p:sp>
+      <p:sp>
+        <p:nvSpPr>
+          <p:cNvPr id="3" name="Notes Placeholder 2"/>
+          <p:cNvSpPr>
+            <a:spLocks noGrp="1"/>
+          </p:cNvSpPr>
+          <p:nvPr>
+            <p:ph type="body" idx="1"/>
+          </p:nvPr>
+        </p:nvSpPr>
+        <p:spPr/>
+        <p:txBody>
+          <a:bodyPr/>
+          <a:lstStyle/>
+          <a:p>
+            <a:endParaRPr lang="en-US"/>
+          </a:p>
+        </p:txBody>
+      </p:sp>
+      <p:sp>
+        <p:nvSpPr>
+          <p:cNvPr id="4" name="Slide Number Placeholder 3"/>
+          <p:cNvSpPr>
+            <a:spLocks noGrp="1"/>
+          </p:cNvSpPr>
+          <p:nvPr>
+            <p:ph type="sldNum" sz="quarter" idx="10"/>
+          </p:nvPr>
+        </p:nvSpPr>
+        <p:spPr/>
+        <p:txBody>
+          <a:bodyPr/>
+          <a:lstStyle/>
+          <a:p>
+            <a:pPr>
+              <a:defRPr/>
+            </a:pPr>
+            <a:fld id="{F3969550-FBCF-404B-9FAA-7B1DCDF2C4FF}" type="slidenum">
+              <a:rPr lang="en-US" smtClean="0"/>
+              <a:pPr>
+                <a:defRPr/>
+              </a:pPr>
+              <a:t>8</a:t>
+            </a:fld>
+            <a:endParaRPr lang="en-US"/>
+          </a:p>
+        </p:txBody>
+      </p:sp>
+    </p:spTree>
+    <p:extLst>
+      <p:ext uri="{BB962C8B-B14F-4D97-AF65-F5344CB8AC3E}">
+        <p14:creationId xmlns:p14="http://schemas.microsoft.com/office/powerpoint/2010/main" val="2745636760"/>
+      </p:ext>
+    </p:extLst>
+  </p:cSld>
+  <p:clrMapOvr>
+    <a:masterClrMapping/>
+  </p:clrMapOvr>
+</p:notes>
+</file>
+
+<file path=ppt/notesSlides/notesSlide9.xml><?xml version="1.0" encoding="utf-8"?>
+<p:notes xmlns:a="http://schemas.openxmlformats.org/drawingml/2006/main" xmlns:r="http://schemas.openxmlformats.org/officeDocument/2006/relationships" xmlns:p="http://schemas.openxmlformats.org/presentationml/2006/main">
+  <p:cSld>
+    <p:spTree>
+      <p:nvGrpSpPr>
+        <p:cNvPr id="1" name=""/>
+        <p:cNvGrpSpPr/>
+        <p:nvPr/>
+      </p:nvGrpSpPr>
+      <p:grpSpPr>
+        <a:xfrm>
+          <a:off x="0" y="0"/>
+          <a:ext cx="0" cy="0"/>
+          <a:chOff x="0" y="0"/>
+          <a:chExt cx="0" cy="0"/>
+        </a:xfrm>
+      </p:grpSpPr>
+      <p:sp>
+        <p:nvSpPr>
+          <p:cNvPr id="2" name="Slide Image Placeholder 1"/>
+          <p:cNvSpPr>
+            <a:spLocks noGrp="1" noRot="1" noChangeAspect="1"/>
+          </p:cNvSpPr>
+          <p:nvPr>
+            <p:ph type="sldImg"/>
+          </p:nvPr>
+        </p:nvSpPr>
+        <p:spPr/>
+      </p:sp>
+      <p:sp>
+        <p:nvSpPr>
+          <p:cNvPr id="3" name="Notes Placeholder 2"/>
+          <p:cNvSpPr>
+            <a:spLocks noGrp="1"/>
+          </p:cNvSpPr>
+          <p:nvPr>
+            <p:ph type="body" idx="1"/>
+          </p:nvPr>
+        </p:nvSpPr>
+        <p:spPr/>
+        <p:txBody>
+          <a:bodyPr/>
+          <a:lstStyle/>
+          <a:p>
+            <a:endParaRPr lang="en-US"/>
+          </a:p>
+        </p:txBody>
+      </p:sp>
+      <p:sp>
+        <p:nvSpPr>
+          <p:cNvPr id="4" name="Slide Number Placeholder 3"/>
+          <p:cNvSpPr>
+            <a:spLocks noGrp="1"/>
+          </p:cNvSpPr>
+          <p:nvPr>
+            <p:ph type="sldNum" sz="quarter" idx="10"/>
+          </p:nvPr>
+        </p:nvSpPr>
+        <p:spPr/>
+        <p:txBody>
+          <a:bodyPr/>
+          <a:lstStyle/>
+          <a:p>
+            <a:pPr>
+              <a:defRPr/>
+            </a:pPr>
+            <a:fld id="{F3969550-FBCF-404B-9FAA-7B1DCDF2C4FF}" type="slidenum">
+              <a:rPr lang="en-US" smtClean="0"/>
+              <a:pPr>
+                <a:defRPr/>
+              </a:pPr>
+              <a:t>9</a:t>
+            </a:fld>
+            <a:endParaRPr lang="en-US"/>
+          </a:p>
+        </p:txBody>
+      </p:sp>
+    </p:spTree>
+    <p:extLst>
+      <p:ext uri="{BB962C8B-B14F-4D97-AF65-F5344CB8AC3E}">
+        <p14:creationId xmlns:p14="http://schemas.microsoft.com/office/powerpoint/2010/main" val="486908824"/>
+      </p:ext>
+    </p:extLst>
   </p:cSld>
   <p:clrMapOvr>
     <a:masterClrMapping/>
@@ -3519,7 +4689,7 @@
               <a:pPr>
                 <a:defRPr/>
               </a:pPr>
-              <a:t>7/8/17</a:t>
+              <a:t>7/11/17</a:t>
             </a:fld>
             <a:endParaRPr lang="en-US"/>
           </a:p>
@@ -4192,7 +5362,7 @@
           </p:nvPr>
         </p:nvPicPr>
         <p:blipFill>
-          <a:blip r:embed="rId2">
+          <a:blip r:embed="rId3">
             <a:extLst>
               <a:ext uri="{28A0092B-C50C-407E-A947-70E740481C1C}">
                 <a14:useLocalDpi xmlns:a14="http://schemas.microsoft.com/office/drawing/2010/main" val="0"/>
@@ -4367,7 +5537,7 @@
             <a:pPr eaLnBrk="1" hangingPunct="1"/>
             <a:r>
               <a:rPr lang="en-US" sz="1400">
-                <a:hlinkClick r:id="rId3"/>
+                <a:hlinkClick r:id="rId4"/>
               </a:rPr>
               <a:t>http://www.rna-seqblog.com/data-analysis/splicing-junction/methods-to-study-splicing-from-rna-seq/</a:t>
             </a:r>
@@ -4377,7 +5547,7 @@
             <a:pPr eaLnBrk="1" hangingPunct="1"/>
             <a:r>
               <a:rPr lang="en-US" sz="1400">
-                <a:hlinkClick r:id="rId4"/>
+                <a:hlinkClick r:id="rId5"/>
               </a:rPr>
               <a:t>http://arxiv.org/ftp/arxiv/papers/1304/1304.5952.pdf</a:t>
             </a:r>
@@ -4395,6 +5565,13 @@
   <p:clrMapOvr>
     <a:masterClrMapping/>
   </p:clrMapOvr>
+  <p:timing>
+    <p:tnLst>
+      <p:par>
+        <p:cTn xmlns:p14="http://schemas.microsoft.com/office/powerpoint/2010/main" id="1" dur="indefinite" restart="never" nodeType="tmRoot"/>
+      </p:par>
+    </p:tnLst>
+  </p:timing>
 </p:sld>
 </file>
 
@@ -4485,13 +5662,13 @@
             </a:pPr>
             <a:r>
               <a:rPr lang="en-US" dirty="0">
-                <a:hlinkClick r:id="rId2"/>
+                <a:hlinkClick r:id="rId3"/>
               </a:rPr>
               <a:t>http://www.biostars.org/p/68966</a:t>
             </a:r>
             <a:r>
               <a:rPr lang="en-US" dirty="0" smtClean="0">
-                <a:hlinkClick r:id="rId2"/>
+                <a:hlinkClick r:id="rId3"/>
               </a:rPr>
               <a:t>/</a:t>
             </a:r>
@@ -4503,13 +5680,13 @@
             </a:pPr>
             <a:r>
               <a:rPr lang="en-US" dirty="0">
-                <a:hlinkClick r:id="rId3"/>
+                <a:hlinkClick r:id="rId4"/>
               </a:rPr>
               <a:t>http://www.biostars.org/p/62728</a:t>
             </a:r>
             <a:r>
               <a:rPr lang="en-US" dirty="0" smtClean="0">
-                <a:hlinkClick r:id="rId3"/>
+                <a:hlinkClick r:id="rId4"/>
               </a:rPr>
               <a:t>/</a:t>
             </a:r>
@@ -4534,13 +5711,13 @@
             </a:pPr>
             <a:r>
               <a:rPr lang="en-US" dirty="0">
-                <a:hlinkClick r:id="rId4"/>
+                <a:hlinkClick r:id="rId5"/>
               </a:rPr>
               <a:t>http://www.biostars.org/p/65617</a:t>
             </a:r>
             <a:r>
               <a:rPr lang="en-US" dirty="0" smtClean="0">
-                <a:hlinkClick r:id="rId4"/>
+                <a:hlinkClick r:id="rId5"/>
               </a:rPr>
               <a:t>/</a:t>
             </a:r>
@@ -4552,13 +5729,13 @@
             </a:pPr>
             <a:r>
               <a:rPr lang="en-US" dirty="0">
-                <a:hlinkClick r:id="rId5"/>
+                <a:hlinkClick r:id="rId6"/>
               </a:rPr>
               <a:t>http://www.biostars.org/p/11695</a:t>
             </a:r>
             <a:r>
               <a:rPr lang="en-US" dirty="0" smtClean="0">
-                <a:hlinkClick r:id="rId5"/>
+                <a:hlinkClick r:id="rId6"/>
               </a:rPr>
               <a:t>/</a:t>
             </a:r>
@@ -4587,13 +5764,13 @@
             </a:pPr>
             <a:r>
               <a:rPr lang="en-US" dirty="0">
-                <a:hlinkClick r:id="rId6"/>
+                <a:hlinkClick r:id="rId7"/>
               </a:rPr>
               <a:t>http://www.biostars.org/p/50365</a:t>
             </a:r>
             <a:r>
               <a:rPr lang="en-US" dirty="0" smtClean="0">
-                <a:hlinkClick r:id="rId6"/>
+                <a:hlinkClick r:id="rId7"/>
               </a:rPr>
               <a:t>/</a:t>
             </a:r>
@@ -4630,13 +5807,13 @@
             </a:pPr>
             <a:r>
               <a:rPr lang="en-US" dirty="0">
-                <a:hlinkClick r:id="rId7"/>
+                <a:hlinkClick r:id="rId8"/>
               </a:rPr>
               <a:t>http://www.biostars.org/p/13525</a:t>
             </a:r>
             <a:r>
               <a:rPr lang="en-US" dirty="0" smtClean="0">
-                <a:hlinkClick r:id="rId7"/>
+                <a:hlinkClick r:id="rId8"/>
               </a:rPr>
               <a:t>/</a:t>
             </a:r>
@@ -4673,13 +5850,13 @@
             </a:pPr>
             <a:r>
               <a:rPr lang="en-US" dirty="0">
-                <a:hlinkClick r:id="rId8"/>
+                <a:hlinkClick r:id="rId9"/>
               </a:rPr>
               <a:t>http://www.biostars.org/p/8979</a:t>
             </a:r>
             <a:r>
               <a:rPr lang="en-US" dirty="0" smtClean="0">
-                <a:hlinkClick r:id="rId8"/>
+                <a:hlinkClick r:id="rId9"/>
               </a:rPr>
               <a:t>/</a:t>
             </a:r>
@@ -4765,7 +5942,7 @@
           </p:nvPr>
         </p:nvPicPr>
         <p:blipFill>
-          <a:blip r:embed="rId2">
+          <a:blip r:embed="rId3">
             <a:extLst>
               <a:ext uri="{28A0092B-C50C-407E-A947-70E740481C1C}">
                 <a14:useLocalDpi xmlns:a14="http://schemas.microsoft.com/office/drawing/2010/main" val="0"/>
@@ -4794,6 +5971,13 @@
   <p:clrMapOvr>
     <a:masterClrMapping/>
   </p:clrMapOvr>
+  <p:timing>
+    <p:tnLst>
+      <p:par>
+        <p:cTn xmlns:p14="http://schemas.microsoft.com/office/powerpoint/2010/main" id="1" dur="indefinite" restart="never" nodeType="tmRoot"/>
+      </p:par>
+    </p:tnLst>
+  </p:timing>
 </p:sld>
 </file>
 
@@ -4930,20 +6114,62 @@
           <a:lstStyle/>
           <a:p>
             <a:r>
-              <a:rPr lang="en-US">
+              <a:rPr lang="en-US" dirty="0" err="1" smtClean="0">
                 <a:latin typeface="Calibri" charset="0"/>
                 <a:ea typeface="ＭＳ Ｐゴシック" charset="0"/>
               </a:rPr>
-              <a:t>Bowtie/Tophat/Cufflinks/Cuffdiff </a:t>
+              <a:t>HiSat</a:t>
+            </a:r>
+            <a:r>
+              <a:rPr lang="en-US" dirty="0" smtClean="0">
+                <a:latin typeface="Calibri" charset="0"/>
+                <a:ea typeface="ＭＳ Ｐゴシック" charset="0"/>
+              </a:rPr>
+              <a:t>/</a:t>
+            </a:r>
+            <a:r>
+              <a:rPr lang="en-US" dirty="0" err="1" smtClean="0">
+                <a:latin typeface="Calibri" charset="0"/>
+                <a:ea typeface="ＭＳ Ｐゴシック" charset="0"/>
+              </a:rPr>
+              <a:t>StringTie</a:t>
+            </a:r>
+            <a:r>
+              <a:rPr lang="en-US" dirty="0" smtClean="0">
+                <a:latin typeface="Calibri" charset="0"/>
+                <a:ea typeface="ＭＳ Ｐゴシック" charset="0"/>
+              </a:rPr>
+              <a:t>/</a:t>
+            </a:r>
+            <a:r>
+              <a:rPr lang="en-US" dirty="0" err="1" smtClean="0">
+                <a:latin typeface="Calibri" charset="0"/>
+                <a:ea typeface="ＭＳ Ｐゴシック" charset="0"/>
+              </a:rPr>
+              <a:t>Ballgown</a:t>
+            </a:r>
+            <a:r>
+              <a:rPr lang="en-US" dirty="0" smtClean="0">
+                <a:latin typeface="Calibri" charset="0"/>
+                <a:ea typeface="ＭＳ Ｐゴシック" charset="0"/>
+              </a:rPr>
+              <a:t> </a:t>
+            </a:r>
+            <a:r>
+              <a:rPr lang="en-US" dirty="0">
+                <a:latin typeface="Calibri" charset="0"/>
+                <a:ea typeface="ＭＳ Ｐゴシック" charset="0"/>
+              </a:rPr>
+              <a:t/>
             </a:r>
             <a:br>
-              <a:rPr lang="en-US">
+              <a:rPr lang="en-US" dirty="0">
                 <a:latin typeface="Calibri" charset="0"/>
                 <a:ea typeface="ＭＳ Ｐゴシック" charset="0"/>
               </a:rPr>
             </a:br>
             <a:r>
-              <a:rPr lang="en-US">
+              <a:rPr lang="en-US" dirty="0">
                 <a:latin typeface="Calibri" charset="0"/>
                 <a:ea typeface="ＭＳ Ｐゴシック" charset="0"/>
               </a:rPr>
@@ -4961,7 +6187,7 @@
           <p:nvPr/>
         </p:nvPicPr>
         <p:blipFill>
-          <a:blip r:embed="rId2">
+          <a:blip r:embed="rId3">
             <a:extLst>
               <a:ext uri="{28A0092B-C50C-407E-A947-70E740481C1C}">
                 <a14:useLocalDpi xmlns:a14="http://schemas.microsoft.com/office/drawing/2010/main" val="0"/>
@@ -5452,7 +6678,7 @@
           </p:nvPr>
         </p:nvPicPr>
         <p:blipFill>
-          <a:blip r:embed="rId2">
+          <a:blip r:embed="rId3">
             <a:extLst>
               <a:ext uri="{28A0092B-C50C-407E-A947-70E740481C1C}">
                 <a14:useLocalDpi xmlns:a14="http://schemas.microsoft.com/office/drawing/2010/main" val="0"/>
@@ -6107,7 +7333,7 @@
           <p:nvPr/>
         </p:nvPicPr>
         <p:blipFill>
-          <a:blip r:embed="rId2">
+          <a:blip r:embed="rId3">
             <a:extLst>
               <a:ext uri="{28A0092B-C50C-407E-A947-70E740481C1C}">
                 <a14:useLocalDpi xmlns:a14="http://schemas.microsoft.com/office/drawing/2010/main" val="0"/>
@@ -6137,7 +7363,7 @@
           <p:nvPr/>
         </p:nvPicPr>
         <p:blipFill>
-          <a:blip r:embed="rId3">
+          <a:blip r:embed="rId4">
             <a:extLst>
               <a:ext uri="{28A0092B-C50C-407E-A947-70E740481C1C}">
                 <a14:useLocalDpi xmlns:a14="http://schemas.microsoft.com/office/drawing/2010/main" val="0"/>
@@ -6720,7 +7946,7 @@
           <p:nvPr/>
         </p:nvPicPr>
         <p:blipFill>
-          <a:blip r:embed="rId2" cstate="print">
+          <a:blip r:embed="rId3" cstate="print">
             <a:extLst>
               <a:ext uri="{28A0092B-C50C-407E-A947-70E740481C1C}">
                 <a14:useLocalDpi xmlns:a14="http://schemas.microsoft.com/office/drawing/2010/main" val="0"/>
@@ -6819,7 +8045,7 @@
           </p:nvPr>
         </p:nvPicPr>
         <p:blipFill>
-          <a:blip r:embed="rId2">
+          <a:blip r:embed="rId3">
             <a:extLst>
               <a:ext uri="{28A0092B-C50C-407E-A947-70E740481C1C}">
                 <a14:useLocalDpi xmlns:a14="http://schemas.microsoft.com/office/drawing/2010/main" val="0"/>
@@ -6916,7 +8142,7 @@
           </p:nvPr>
         </p:nvPicPr>
         <p:blipFill>
-          <a:blip r:embed="rId2">
+          <a:blip r:embed="rId3">
             <a:extLst>
               <a:ext uri="{28A0092B-C50C-407E-A947-70E740481C1C}">
                 <a14:useLocalDpi xmlns:a14="http://schemas.microsoft.com/office/drawing/2010/main" val="0"/>
@@ -6945,6 +8171,13 @@
   <p:clrMapOvr>
     <a:masterClrMapping/>
   </p:clrMapOvr>
+  <p:timing>
+    <p:tnLst>
+      <p:par>
+        <p:cTn xmlns:p14="http://schemas.microsoft.com/office/powerpoint/2010/main" id="1" dur="indefinite" restart="never" nodeType="tmRoot"/>
+      </p:par>
+    </p:tnLst>
+  </p:timing>
 </p:sld>
 </file>
 
@@ -7006,7 +8239,7 @@
           </p:nvPr>
         </p:nvPicPr>
         <p:blipFill>
-          <a:blip r:embed="rId2">
+          <a:blip r:embed="rId3">
             <a:extLst>
               <a:ext uri="{28A0092B-C50C-407E-A947-70E740481C1C}">
                 <a14:useLocalDpi xmlns:a14="http://schemas.microsoft.com/office/drawing/2010/main" val="0"/>
@@ -7181,7 +8414,7 @@
             <a:pPr eaLnBrk="1" hangingPunct="1"/>
             <a:r>
               <a:rPr lang="en-US" sz="1400">
-                <a:hlinkClick r:id="rId3"/>
+                <a:hlinkClick r:id="rId4"/>
               </a:rPr>
               <a:t>http://www.rna-seqblog.com/data-analysis/splicing-junction/methods-to-study-splicing-from-rna-seq/</a:t>
             </a:r>
@@ -7191,7 +8424,7 @@
             <a:pPr eaLnBrk="1" hangingPunct="1"/>
             <a:r>
               <a:rPr lang="en-US" sz="1400">
-                <a:hlinkClick r:id="rId4"/>
+                <a:hlinkClick r:id="rId5"/>
               </a:rPr>
               <a:t>http://arxiv.org/ftp/arxiv/papers/1304/1304.5952.pdf</a:t>
             </a:r>
